--- a/example_2/WebCrawling.pptx
+++ b/example_2/WebCrawling.pptx
@@ -7,11 +7,10 @@
   <p:sldIdLst>
     <p:sldId id="256" r:id="rId2"/>
     <p:sldId id="257" r:id="rId3"/>
-    <p:sldId id="258" r:id="rId4"/>
-    <p:sldId id="259" r:id="rId5"/>
+    <p:sldId id="259" r:id="rId4"/>
+    <p:sldId id="258" r:id="rId5"/>
     <p:sldId id="260" r:id="rId6"/>
     <p:sldId id="261" r:id="rId7"/>
-    <p:sldId id="262" r:id="rId8"/>
   </p:sldIdLst>
   <p:sldSz cx="12192000" cy="6858000"/>
   <p:notesSz cx="6858000" cy="9144000"/>
@@ -2877,7 +2876,7 @@
           <a:p>
             <a:fld id="{FEC78B8E-DD32-4C3E-A3B6-DAE91E3D2481}" type="datetimeFigureOut">
               <a:rPr lang="en-US" smtClean="0"/>
-              <a:t>4/4/2022</a:t>
+              <a:t>4/7/2022</a:t>
             </a:fld>
             <a:endParaRPr lang="en-US"/>
           </a:p>
@@ -3088,7 +3087,7 @@
           <a:p>
             <a:fld id="{FEC78B8E-DD32-4C3E-A3B6-DAE91E3D2481}" type="datetimeFigureOut">
               <a:rPr lang="en-US" smtClean="0"/>
-              <a:t>4/4/2022</a:t>
+              <a:t>4/7/2022</a:t>
             </a:fld>
             <a:endParaRPr lang="en-US"/>
           </a:p>
@@ -3303,7 +3302,7 @@
           <a:p>
             <a:fld id="{FEC78B8E-DD32-4C3E-A3B6-DAE91E3D2481}" type="datetimeFigureOut">
               <a:rPr lang="en-US" smtClean="0"/>
-              <a:t>4/4/2022</a:t>
+              <a:t>4/7/2022</a:t>
             </a:fld>
             <a:endParaRPr lang="en-US"/>
           </a:p>
@@ -3504,7 +3503,7 @@
           <a:p>
             <a:fld id="{FEC78B8E-DD32-4C3E-A3B6-DAE91E3D2481}" type="datetimeFigureOut">
               <a:rPr lang="en-US" smtClean="0"/>
-              <a:t>4/4/2022</a:t>
+              <a:t>4/7/2022</a:t>
             </a:fld>
             <a:endParaRPr lang="en-US"/>
           </a:p>
@@ -3783,7 +3782,7 @@
           <a:p>
             <a:fld id="{FEC78B8E-DD32-4C3E-A3B6-DAE91E3D2481}" type="datetimeFigureOut">
               <a:rPr lang="en-US" smtClean="0"/>
-              <a:t>4/4/2022</a:t>
+              <a:t>4/7/2022</a:t>
             </a:fld>
             <a:endParaRPr lang="en-US"/>
           </a:p>
@@ -4051,7 +4050,7 @@
           <a:p>
             <a:fld id="{FEC78B8E-DD32-4C3E-A3B6-DAE91E3D2481}" type="datetimeFigureOut">
               <a:rPr lang="en-US" smtClean="0"/>
-              <a:t>4/4/2022</a:t>
+              <a:t>4/7/2022</a:t>
             </a:fld>
             <a:endParaRPr lang="en-US"/>
           </a:p>
@@ -4467,7 +4466,7 @@
           <a:p>
             <a:fld id="{FEC78B8E-DD32-4C3E-A3B6-DAE91E3D2481}" type="datetimeFigureOut">
               <a:rPr lang="en-US" smtClean="0"/>
-              <a:t>4/4/2022</a:t>
+              <a:t>4/7/2022</a:t>
             </a:fld>
             <a:endParaRPr lang="en-US"/>
           </a:p>
@@ -4616,7 +4615,7 @@
           <a:p>
             <a:fld id="{FEC78B8E-DD32-4C3E-A3B6-DAE91E3D2481}" type="datetimeFigureOut">
               <a:rPr lang="en-US" smtClean="0"/>
-              <a:t>4/4/2022</a:t>
+              <a:t>4/7/2022</a:t>
             </a:fld>
             <a:endParaRPr lang="en-US"/>
           </a:p>
@@ -4742,7 +4741,7 @@
           <a:p>
             <a:fld id="{FEC78B8E-DD32-4C3E-A3B6-DAE91E3D2481}" type="datetimeFigureOut">
               <a:rPr lang="en-US" smtClean="0"/>
-              <a:t>4/4/2022</a:t>
+              <a:t>4/7/2022</a:t>
             </a:fld>
             <a:endParaRPr lang="en-US"/>
           </a:p>
@@ -4993,7 +4992,7 @@
           <a:p>
             <a:fld id="{FEC78B8E-DD32-4C3E-A3B6-DAE91E3D2481}" type="datetimeFigureOut">
               <a:rPr lang="en-US" smtClean="0"/>
-              <a:t>4/4/2022</a:t>
+              <a:t>4/7/2022</a:t>
             </a:fld>
             <a:endParaRPr lang="en-US"/>
           </a:p>
@@ -5438,7 +5437,7 @@
           <a:p>
             <a:fld id="{FEC78B8E-DD32-4C3E-A3B6-DAE91E3D2481}" type="datetimeFigureOut">
               <a:rPr lang="en-US" smtClean="0"/>
-              <a:t>4/4/2022</a:t>
+              <a:t>4/7/2022</a:t>
             </a:fld>
             <a:endParaRPr lang="en-US"/>
           </a:p>
@@ -5765,7 +5764,7 @@
           <a:p>
             <a:fld id="{FEC78B8E-DD32-4C3E-A3B6-DAE91E3D2481}" type="datetimeFigureOut">
               <a:rPr lang="en-US" smtClean="0"/>
-              <a:t>4/4/2022</a:t>
+              <a:t>4/7/2022</a:t>
             </a:fld>
             <a:endParaRPr lang="en-US"/>
           </a:p>
@@ -6933,6 +6932,767 @@
   <p:cSld>
     <p:bg>
       <p:bgPr>
+        <a:solidFill>
+          <a:schemeClr val="bg1"/>
+        </a:solidFill>
+        <a:effectLst/>
+      </p:bgPr>
+    </p:bg>
+    <p:spTree>
+      <p:nvGrpSpPr>
+        <p:cNvPr id="1" name=""/>
+        <p:cNvGrpSpPr/>
+        <p:nvPr/>
+      </p:nvGrpSpPr>
+      <p:grpSpPr>
+        <a:xfrm>
+          <a:off x="0" y="0"/>
+          <a:ext cx="0" cy="0"/>
+          <a:chOff x="0" y="0"/>
+          <a:chExt cx="0" cy="0"/>
+        </a:xfrm>
+      </p:grpSpPr>
+      <p:sp useBgFill="1">
+        <p:nvSpPr>
+          <p:cNvPr id="12" name="Rectangle 11">
+            <a:extLst>
+              <a:ext uri="{FF2B5EF4-FFF2-40B4-BE49-F238E27FC236}">
+                <a16:creationId xmlns:a16="http://schemas.microsoft.com/office/drawing/2014/main" id="{C6870151-9189-4C3A-8379-EF3D95827A0A}"/>
+              </a:ext>
+              <a:ext uri="{C183D7F6-B498-43B3-948B-1728B52AA6E4}">
+                <adec:decorative xmlns:adec="http://schemas.microsoft.com/office/drawing/2017/decorative" val="1"/>
+              </a:ext>
+            </a:extLst>
+          </p:cNvPr>
+          <p:cNvSpPr>
+            <a:spLocks noGrp="1" noRot="1" noChangeAspect="1" noMove="1" noResize="1" noEditPoints="1" noAdjustHandles="1" noChangeArrowheads="1" noChangeShapeType="1" noTextEdit="1"/>
+          </p:cNvSpPr>
+          <p:nvPr>
+            <p:extLst>
+              <p:ext uri="{386F3935-93C4-4BCD-93E2-E3B085C9AB24}">
+                <p16:designElem xmlns:p16="http://schemas.microsoft.com/office/powerpoint/2015/main" val="1"/>
+              </p:ext>
+            </p:extLst>
+          </p:nvPr>
+        </p:nvSpPr>
+        <p:spPr>
+          <a:xfrm>
+            <a:off x="0" y="0"/>
+            <a:ext cx="12192000" cy="6858000"/>
+          </a:xfrm>
+          <a:prstGeom prst="rect">
+            <a:avLst/>
+          </a:prstGeom>
+          <a:ln>
+            <a:noFill/>
+          </a:ln>
+        </p:spPr>
+        <p:style>
+          <a:lnRef idx="2">
+            <a:schemeClr val="accent1">
+              <a:shade val="50000"/>
+            </a:schemeClr>
+          </a:lnRef>
+          <a:fillRef idx="1">
+            <a:schemeClr val="accent1"/>
+          </a:fillRef>
+          <a:effectRef idx="0">
+            <a:schemeClr val="accent1"/>
+          </a:effectRef>
+          <a:fontRef idx="minor">
+            <a:schemeClr val="lt1"/>
+          </a:fontRef>
+        </p:style>
+        <p:txBody>
+          <a:bodyPr rtlCol="0" anchor="ctr"/>
+          <a:lstStyle/>
+          <a:p>
+            <a:pPr algn="ctr"/>
+            <a:endParaRPr lang="en-US"/>
+          </a:p>
+        </p:txBody>
+      </p:sp>
+      <p:pic>
+        <p:nvPicPr>
+          <p:cNvPr id="7" name="Picture 6" descr="A picture containing clipart&#10;&#10;Description automatically generated">
+            <a:extLst>
+              <a:ext uri="{FF2B5EF4-FFF2-40B4-BE49-F238E27FC236}">
+                <a16:creationId xmlns:a16="http://schemas.microsoft.com/office/drawing/2014/main" id="{59C21E83-C216-4AD6-B053-7A97BC022A31}"/>
+              </a:ext>
+            </a:extLst>
+          </p:cNvPr>
+          <p:cNvPicPr>
+            <a:picLocks noChangeAspect="1"/>
+          </p:cNvPicPr>
+          <p:nvPr/>
+        </p:nvPicPr>
+        <p:blipFill rotWithShape="1">
+          <a:blip r:embed="rId2">
+            <a:alphaModFix amt="50000"/>
+            <a:extLst>
+              <a:ext uri="{28A0092B-C50C-407E-A947-70E740481C1C}">
+                <a14:useLocalDpi xmlns:a14="http://schemas.microsoft.com/office/drawing/2010/main" val="0"/>
+              </a:ext>
+            </a:extLst>
+          </a:blip>
+          <a:srcRect t="5381" r="-1" b="2023"/>
+          <a:stretch/>
+        </p:blipFill>
+        <p:spPr>
+          <a:xfrm>
+            <a:off x="305" y="10"/>
+            <a:ext cx="12191695" cy="6857990"/>
+          </a:xfrm>
+          <a:prstGeom prst="rect">
+            <a:avLst/>
+          </a:prstGeom>
+        </p:spPr>
+      </p:pic>
+      <p:sp>
+        <p:nvSpPr>
+          <p:cNvPr id="14" name="Slide Number Placeholder 7">
+            <a:extLst>
+              <a:ext uri="{FF2B5EF4-FFF2-40B4-BE49-F238E27FC236}">
+                <a16:creationId xmlns:a16="http://schemas.microsoft.com/office/drawing/2014/main" id="{123EA69C-102A-4DD0-9547-05DCD271D159}"/>
+              </a:ext>
+              <a:ext uri="{C183D7F6-B498-43B3-948B-1728B52AA6E4}">
+                <adec:decorative xmlns:adec="http://schemas.microsoft.com/office/drawing/2017/decorative" val="1"/>
+              </a:ext>
+            </a:extLst>
+          </p:cNvPr>
+          <p:cNvSpPr txBox="1">
+            <a:spLocks noGrp="1" noRot="1" noChangeAspect="1" noMove="1" noResize="1" noEditPoints="1" noAdjustHandles="1" noChangeArrowheads="1" noChangeShapeType="1" noTextEdit="1"/>
+          </p:cNvSpPr>
+          <p:nvPr>
+            <p:extLst>
+              <p:ext uri="{386F3935-93C4-4BCD-93E2-E3B085C9AB24}">
+                <p16:designElem xmlns:p16="http://schemas.microsoft.com/office/powerpoint/2015/main" val="1"/>
+              </p:ext>
+            </p:extLst>
+          </p:nvPr>
+        </p:nvSpPr>
+        <p:spPr>
+          <a:xfrm>
+            <a:off x="3512301" y="443732"/>
+            <a:ext cx="811019" cy="503578"/>
+          </a:xfrm>
+          <a:prstGeom prst="rect">
+            <a:avLst/>
+          </a:prstGeom>
+        </p:spPr>
+        <p:txBody>
+          <a:bodyPr vert="horz" lIns="91440" tIns="45720" rIns="91440" bIns="45720" rtlCol="0" anchor="t"/>
+          <a:lstStyle>
+            <a:defPPr>
+              <a:defRPr lang="en-US"/>
+            </a:defPPr>
+            <a:lvl1pPr marL="0" algn="r" defTabSz="457200" rtl="0" eaLnBrk="1" latinLnBrk="0" hangingPunct="1">
+              <a:defRPr sz="2800" kern="1200">
+                <a:solidFill>
+                  <a:schemeClr val="accent1"/>
+                </a:solidFill>
+                <a:latin typeface="+mn-lt"/>
+                <a:ea typeface="+mn-ea"/>
+                <a:cs typeface="+mn-cs"/>
+              </a:defRPr>
+            </a:lvl1pPr>
+            <a:lvl2pPr marL="457200" algn="l" defTabSz="457200" rtl="0" eaLnBrk="1" latinLnBrk="0" hangingPunct="1">
+              <a:defRPr sz="1800" kern="1200">
+                <a:solidFill>
+                  <a:schemeClr val="tx1"/>
+                </a:solidFill>
+                <a:latin typeface="+mn-lt"/>
+                <a:ea typeface="+mn-ea"/>
+                <a:cs typeface="+mn-cs"/>
+              </a:defRPr>
+            </a:lvl2pPr>
+            <a:lvl3pPr marL="914400" algn="l" defTabSz="457200" rtl="0" eaLnBrk="1" latinLnBrk="0" hangingPunct="1">
+              <a:defRPr sz="1800" kern="1200">
+                <a:solidFill>
+                  <a:schemeClr val="tx1"/>
+                </a:solidFill>
+                <a:latin typeface="+mn-lt"/>
+                <a:ea typeface="+mn-ea"/>
+                <a:cs typeface="+mn-cs"/>
+              </a:defRPr>
+            </a:lvl3pPr>
+            <a:lvl4pPr marL="1371600" algn="l" defTabSz="457200" rtl="0" eaLnBrk="1" latinLnBrk="0" hangingPunct="1">
+              <a:defRPr sz="1800" kern="1200">
+                <a:solidFill>
+                  <a:schemeClr val="tx1"/>
+                </a:solidFill>
+                <a:latin typeface="+mn-lt"/>
+                <a:ea typeface="+mn-ea"/>
+                <a:cs typeface="+mn-cs"/>
+              </a:defRPr>
+            </a:lvl4pPr>
+            <a:lvl5pPr marL="1828800" algn="l" defTabSz="457200" rtl="0" eaLnBrk="1" latinLnBrk="0" hangingPunct="1">
+              <a:defRPr sz="1800" kern="1200">
+                <a:solidFill>
+                  <a:schemeClr val="tx1"/>
+                </a:solidFill>
+                <a:latin typeface="+mn-lt"/>
+                <a:ea typeface="+mn-ea"/>
+                <a:cs typeface="+mn-cs"/>
+              </a:defRPr>
+            </a:lvl5pPr>
+            <a:lvl6pPr marL="2286000" algn="l" defTabSz="457200" rtl="0" eaLnBrk="1" latinLnBrk="0" hangingPunct="1">
+              <a:defRPr sz="1800" kern="1200">
+                <a:solidFill>
+                  <a:schemeClr val="tx1"/>
+                </a:solidFill>
+                <a:latin typeface="+mn-lt"/>
+                <a:ea typeface="+mn-ea"/>
+                <a:cs typeface="+mn-cs"/>
+              </a:defRPr>
+            </a:lvl6pPr>
+            <a:lvl7pPr marL="2743200" algn="l" defTabSz="457200" rtl="0" eaLnBrk="1" latinLnBrk="0" hangingPunct="1">
+              <a:defRPr sz="1800" kern="1200">
+                <a:solidFill>
+                  <a:schemeClr val="tx1"/>
+                </a:solidFill>
+                <a:latin typeface="+mn-lt"/>
+                <a:ea typeface="+mn-ea"/>
+                <a:cs typeface="+mn-cs"/>
+              </a:defRPr>
+            </a:lvl7pPr>
+            <a:lvl8pPr marL="3200400" algn="l" defTabSz="457200" rtl="0" eaLnBrk="1" latinLnBrk="0" hangingPunct="1">
+              <a:defRPr sz="1800" kern="1200">
+                <a:solidFill>
+                  <a:schemeClr val="tx1"/>
+                </a:solidFill>
+                <a:latin typeface="+mn-lt"/>
+                <a:ea typeface="+mn-ea"/>
+                <a:cs typeface="+mn-cs"/>
+              </a:defRPr>
+            </a:lvl8pPr>
+            <a:lvl9pPr marL="3657600" algn="l" defTabSz="457200" rtl="0" eaLnBrk="1" latinLnBrk="0" hangingPunct="1">
+              <a:defRPr sz="1800" kern="1200">
+                <a:solidFill>
+                  <a:schemeClr val="tx1"/>
+                </a:solidFill>
+                <a:latin typeface="+mn-lt"/>
+                <a:ea typeface="+mn-ea"/>
+                <a:cs typeface="+mn-cs"/>
+              </a:defRPr>
+            </a:lvl9pPr>
+          </a:lstStyle>
+          <a:p>
+            <a:endParaRPr lang="en-US" dirty="0"/>
+          </a:p>
+        </p:txBody>
+      </p:sp>
+      <p:sp>
+        <p:nvSpPr>
+          <p:cNvPr id="16" name="Footer Placeholder 6">
+            <a:extLst>
+              <a:ext uri="{FF2B5EF4-FFF2-40B4-BE49-F238E27FC236}">
+                <a16:creationId xmlns:a16="http://schemas.microsoft.com/office/drawing/2014/main" id="{6A862265-5CA3-4C40-8582-7534C3B03C2A}"/>
+              </a:ext>
+              <a:ext uri="{C183D7F6-B498-43B3-948B-1728B52AA6E4}">
+                <adec:decorative xmlns:adec="http://schemas.microsoft.com/office/drawing/2017/decorative" val="1"/>
+              </a:ext>
+            </a:extLst>
+          </p:cNvPr>
+          <p:cNvSpPr txBox="1">
+            <a:spLocks noGrp="1" noRot="1" noChangeAspect="1" noMove="1" noResize="1" noEditPoints="1" noAdjustHandles="1" noChangeArrowheads="1" noChangeShapeType="1" noTextEdit="1"/>
+          </p:cNvSpPr>
+          <p:nvPr>
+            <p:extLst>
+              <p:ext uri="{386F3935-93C4-4BCD-93E2-E3B085C9AB24}">
+                <p16:designElem xmlns:p16="http://schemas.microsoft.com/office/powerpoint/2015/main" val="1"/>
+              </p:ext>
+            </p:extLst>
+          </p:nvPr>
+        </p:nvSpPr>
+        <p:spPr>
+          <a:xfrm>
+            <a:off x="4976636" y="540921"/>
+            <a:ext cx="4973915" cy="309201"/>
+          </a:xfrm>
+          <a:prstGeom prst="rect">
+            <a:avLst/>
+          </a:prstGeom>
+        </p:spPr>
+        <p:txBody>
+          <a:bodyPr vert="horz" lIns="91440" tIns="45720" rIns="91440" bIns="45720" rtlCol="0" anchor="ctr"/>
+          <a:lstStyle>
+            <a:defPPr>
+              <a:defRPr lang="en-US"/>
+            </a:defPPr>
+            <a:lvl1pPr marL="0" algn="l" defTabSz="457200" rtl="0" eaLnBrk="1" latinLnBrk="0" hangingPunct="1">
+              <a:defRPr sz="1200" kern="1200">
+                <a:solidFill>
+                  <a:schemeClr val="tx1">
+                    <a:tint val="75000"/>
+                  </a:schemeClr>
+                </a:solidFill>
+                <a:latin typeface="+mn-lt"/>
+                <a:ea typeface="+mn-ea"/>
+                <a:cs typeface="+mn-cs"/>
+              </a:defRPr>
+            </a:lvl1pPr>
+            <a:lvl2pPr marL="457200" algn="l" defTabSz="457200" rtl="0" eaLnBrk="1" latinLnBrk="0" hangingPunct="1">
+              <a:defRPr sz="1800" kern="1200">
+                <a:solidFill>
+                  <a:schemeClr val="tx1"/>
+                </a:solidFill>
+                <a:latin typeface="+mn-lt"/>
+                <a:ea typeface="+mn-ea"/>
+                <a:cs typeface="+mn-cs"/>
+              </a:defRPr>
+            </a:lvl2pPr>
+            <a:lvl3pPr marL="914400" algn="l" defTabSz="457200" rtl="0" eaLnBrk="1" latinLnBrk="0" hangingPunct="1">
+              <a:defRPr sz="1800" kern="1200">
+                <a:solidFill>
+                  <a:schemeClr val="tx1"/>
+                </a:solidFill>
+                <a:latin typeface="+mn-lt"/>
+                <a:ea typeface="+mn-ea"/>
+                <a:cs typeface="+mn-cs"/>
+              </a:defRPr>
+            </a:lvl3pPr>
+            <a:lvl4pPr marL="1371600" algn="l" defTabSz="457200" rtl="0" eaLnBrk="1" latinLnBrk="0" hangingPunct="1">
+              <a:defRPr sz="1800" kern="1200">
+                <a:solidFill>
+                  <a:schemeClr val="tx1"/>
+                </a:solidFill>
+                <a:latin typeface="+mn-lt"/>
+                <a:ea typeface="+mn-ea"/>
+                <a:cs typeface="+mn-cs"/>
+              </a:defRPr>
+            </a:lvl4pPr>
+            <a:lvl5pPr marL="1828800" algn="l" defTabSz="457200" rtl="0" eaLnBrk="1" latinLnBrk="0" hangingPunct="1">
+              <a:defRPr sz="1800" kern="1200">
+                <a:solidFill>
+                  <a:schemeClr val="tx1"/>
+                </a:solidFill>
+                <a:latin typeface="+mn-lt"/>
+                <a:ea typeface="+mn-ea"/>
+                <a:cs typeface="+mn-cs"/>
+              </a:defRPr>
+            </a:lvl5pPr>
+            <a:lvl6pPr marL="2286000" algn="l" defTabSz="457200" rtl="0" eaLnBrk="1" latinLnBrk="0" hangingPunct="1">
+              <a:defRPr sz="1800" kern="1200">
+                <a:solidFill>
+                  <a:schemeClr val="tx1"/>
+                </a:solidFill>
+                <a:latin typeface="+mn-lt"/>
+                <a:ea typeface="+mn-ea"/>
+                <a:cs typeface="+mn-cs"/>
+              </a:defRPr>
+            </a:lvl6pPr>
+            <a:lvl7pPr marL="2743200" algn="l" defTabSz="457200" rtl="0" eaLnBrk="1" latinLnBrk="0" hangingPunct="1">
+              <a:defRPr sz="1800" kern="1200">
+                <a:solidFill>
+                  <a:schemeClr val="tx1"/>
+                </a:solidFill>
+                <a:latin typeface="+mn-lt"/>
+                <a:ea typeface="+mn-ea"/>
+                <a:cs typeface="+mn-cs"/>
+              </a:defRPr>
+            </a:lvl7pPr>
+            <a:lvl8pPr marL="3200400" algn="l" defTabSz="457200" rtl="0" eaLnBrk="1" latinLnBrk="0" hangingPunct="1">
+              <a:defRPr sz="1800" kern="1200">
+                <a:solidFill>
+                  <a:schemeClr val="tx1"/>
+                </a:solidFill>
+                <a:latin typeface="+mn-lt"/>
+                <a:ea typeface="+mn-ea"/>
+                <a:cs typeface="+mn-cs"/>
+              </a:defRPr>
+            </a:lvl8pPr>
+            <a:lvl9pPr marL="3657600" algn="l" defTabSz="457200" rtl="0" eaLnBrk="1" latinLnBrk="0" hangingPunct="1">
+              <a:defRPr sz="1800" kern="1200">
+                <a:solidFill>
+                  <a:schemeClr val="tx1"/>
+                </a:solidFill>
+                <a:latin typeface="+mn-lt"/>
+                <a:ea typeface="+mn-ea"/>
+                <a:cs typeface="+mn-cs"/>
+              </a:defRPr>
+            </a:lvl9pPr>
+          </a:lstStyle>
+          <a:p>
+            <a:endParaRPr lang="en-US" dirty="0">
+              <a:solidFill>
+                <a:schemeClr val="tx1"/>
+              </a:solidFill>
+            </a:endParaRPr>
+          </a:p>
+        </p:txBody>
+      </p:sp>
+      <p:sp>
+        <p:nvSpPr>
+          <p:cNvPr id="18" name="Rectangle 17">
+            <a:extLst>
+              <a:ext uri="{FF2B5EF4-FFF2-40B4-BE49-F238E27FC236}">
+                <a16:creationId xmlns:a16="http://schemas.microsoft.com/office/drawing/2014/main" id="{600EF80B-0391-4082-9AF5-F15B091B4CE9}"/>
+              </a:ext>
+              <a:ext uri="{C183D7F6-B498-43B3-948B-1728B52AA6E4}">
+                <adec:decorative xmlns:adec="http://schemas.microsoft.com/office/drawing/2017/decorative" val="1"/>
+              </a:ext>
+            </a:extLst>
+          </p:cNvPr>
+          <p:cNvSpPr>
+            <a:spLocks noGrp="1" noRot="1" noChangeAspect="1" noMove="1" noResize="1" noEditPoints="1" noAdjustHandles="1" noChangeArrowheads="1" noChangeShapeType="1" noTextEdit="1"/>
+          </p:cNvSpPr>
+          <p:nvPr>
+            <p:extLst>
+              <p:ext uri="{386F3935-93C4-4BCD-93E2-E3B085C9AB24}">
+                <p16:designElem xmlns:p16="http://schemas.microsoft.com/office/powerpoint/2015/main" val="1"/>
+              </p:ext>
+            </p:extLst>
+          </p:nvPr>
+        </p:nvSpPr>
+        <p:spPr>
+          <a:xfrm>
+            <a:off x="0" y="1193800"/>
+            <a:ext cx="12192000" cy="5664199"/>
+          </a:xfrm>
+          <a:prstGeom prst="rect">
+            <a:avLst/>
+          </a:prstGeom>
+          <a:gradFill flip="none" rotWithShape="1">
+            <a:gsLst>
+              <a:gs pos="0">
+                <a:schemeClr val="bg2">
+                  <a:lumMod val="87000"/>
+                  <a:alpha val="4000"/>
+                </a:schemeClr>
+              </a:gs>
+              <a:gs pos="100000">
+                <a:schemeClr val="bg2">
+                  <a:lumMod val="95000"/>
+                  <a:lumOff val="5000"/>
+                </a:schemeClr>
+              </a:gs>
+            </a:gsLst>
+            <a:lin ang="5400000" scaled="0"/>
+            <a:tileRect/>
+          </a:gradFill>
+          <a:ln>
+            <a:noFill/>
+          </a:ln>
+        </p:spPr>
+        <p:style>
+          <a:lnRef idx="2">
+            <a:schemeClr val="accent1">
+              <a:shade val="50000"/>
+            </a:schemeClr>
+          </a:lnRef>
+          <a:fillRef idx="1">
+            <a:schemeClr val="accent1"/>
+          </a:fillRef>
+          <a:effectRef idx="0">
+            <a:schemeClr val="accent1"/>
+          </a:effectRef>
+          <a:fontRef idx="minor">
+            <a:schemeClr val="lt1"/>
+          </a:fontRef>
+        </p:style>
+        <p:txBody>
+          <a:bodyPr/>
+          <a:lstStyle/>
+          <a:p>
+            <a:endParaRPr lang="en-US" dirty="0"/>
+          </a:p>
+        </p:txBody>
+      </p:sp>
+      <p:sp>
+        <p:nvSpPr>
+          <p:cNvPr id="2" name="Title 1">
+            <a:extLst>
+              <a:ext uri="{FF2B5EF4-FFF2-40B4-BE49-F238E27FC236}">
+                <a16:creationId xmlns:a16="http://schemas.microsoft.com/office/drawing/2014/main" id="{F1FFE657-E43D-4BB7-8E5B-D73153C4CB5E}"/>
+              </a:ext>
+            </a:extLst>
+          </p:cNvPr>
+          <p:cNvSpPr>
+            <a:spLocks noGrp="1"/>
+          </p:cNvSpPr>
+          <p:nvPr>
+            <p:ph type="title"/>
+          </p:nvPr>
+        </p:nvSpPr>
+        <p:spPr>
+          <a:xfrm>
+            <a:off x="1130271" y="1193800"/>
+            <a:ext cx="3193050" cy="4699000"/>
+          </a:xfrm>
+        </p:spPr>
+        <p:txBody>
+          <a:bodyPr anchor="ctr">
+            <a:normAutofit/>
+          </a:bodyPr>
+          <a:lstStyle/>
+          <a:p>
+            <a:r>
+              <a:rPr lang="en-US" dirty="0"/>
+              <a:t>tools</a:t>
+            </a:r>
+          </a:p>
+        </p:txBody>
+      </p:sp>
+      <p:cxnSp>
+        <p:nvCxnSpPr>
+          <p:cNvPr id="20" name="Straight Connector 19">
+            <a:extLst>
+              <a:ext uri="{FF2B5EF4-FFF2-40B4-BE49-F238E27FC236}">
+                <a16:creationId xmlns:a16="http://schemas.microsoft.com/office/drawing/2014/main" id="{D33AC32D-5F44-45F7-A0BD-7C11A86BED57}"/>
+              </a:ext>
+              <a:ext uri="{C183D7F6-B498-43B3-948B-1728B52AA6E4}">
+                <adec:decorative xmlns:adec="http://schemas.microsoft.com/office/drawing/2017/decorative" val="1"/>
+              </a:ext>
+            </a:extLst>
+          </p:cNvPr>
+          <p:cNvCxnSpPr>
+            <a:cxnSpLocks noGrp="1" noRot="1" noChangeAspect="1" noMove="1" noResize="1" noEditPoints="1" noAdjustHandles="1" noChangeArrowheads="1" noChangeShapeType="1"/>
+          </p:cNvCxnSpPr>
+          <p:nvPr>
+            <p:extLst>
+              <p:ext uri="{386F3935-93C4-4BCD-93E2-E3B085C9AB24}">
+                <p16:designElem xmlns:p16="http://schemas.microsoft.com/office/powerpoint/2015/main" val="1"/>
+              </p:ext>
+            </p:extLst>
+          </p:nvPr>
+        </p:nvCxnSpPr>
+        <p:spPr>
+          <a:xfrm>
+            <a:off x="4654296" y="1600200"/>
+            <a:ext cx="0" cy="3657600"/>
+          </a:xfrm>
+          <a:prstGeom prst="line">
+            <a:avLst/>
+          </a:prstGeom>
+          <a:ln w="31750">
+            <a:solidFill>
+              <a:schemeClr val="tx1">
+                <a:alpha val="80000"/>
+              </a:schemeClr>
+            </a:solidFill>
+          </a:ln>
+        </p:spPr>
+        <p:style>
+          <a:lnRef idx="1">
+            <a:schemeClr val="accent1"/>
+          </a:lnRef>
+          <a:fillRef idx="0">
+            <a:schemeClr val="accent1"/>
+          </a:fillRef>
+          <a:effectRef idx="0">
+            <a:schemeClr val="accent1"/>
+          </a:effectRef>
+          <a:fontRef idx="minor">
+            <a:schemeClr val="tx1"/>
+          </a:fontRef>
+        </p:style>
+      </p:cxnSp>
+      <p:sp>
+        <p:nvSpPr>
+          <p:cNvPr id="3" name="Content Placeholder 2">
+            <a:extLst>
+              <a:ext uri="{FF2B5EF4-FFF2-40B4-BE49-F238E27FC236}">
+                <a16:creationId xmlns:a16="http://schemas.microsoft.com/office/drawing/2014/main" id="{E3DE3DEB-73F5-415C-8164-6E53180A811C}"/>
+              </a:ext>
+            </a:extLst>
+          </p:cNvPr>
+          <p:cNvSpPr>
+            <a:spLocks noGrp="1"/>
+          </p:cNvSpPr>
+          <p:nvPr>
+            <p:ph idx="1"/>
+          </p:nvPr>
+        </p:nvSpPr>
+        <p:spPr>
+          <a:xfrm>
+            <a:off x="4976636" y="1193800"/>
+            <a:ext cx="6085091" cy="4699000"/>
+          </a:xfrm>
+        </p:spPr>
+        <p:txBody>
+          <a:bodyPr anchor="ctr">
+            <a:normAutofit/>
+          </a:bodyPr>
+          <a:lstStyle/>
+          <a:p>
+            <a:r>
+              <a:rPr lang="en-US" sz="4000" dirty="0"/>
+              <a:t>Python 3</a:t>
+            </a:r>
+          </a:p>
+          <a:p>
+            <a:r>
+              <a:rPr lang="en-US" sz="4000" dirty="0"/>
+              <a:t>beautifulsoup4</a:t>
+            </a:r>
+          </a:p>
+          <a:p>
+            <a:r>
+              <a:rPr lang="en-US" sz="4000" dirty="0"/>
+              <a:t>requests</a:t>
+            </a:r>
+          </a:p>
+        </p:txBody>
+      </p:sp>
+      <p:sp>
+        <p:nvSpPr>
+          <p:cNvPr id="22" name="Date Placeholder 1">
+            <a:extLst>
+              <a:ext uri="{FF2B5EF4-FFF2-40B4-BE49-F238E27FC236}">
+                <a16:creationId xmlns:a16="http://schemas.microsoft.com/office/drawing/2014/main" id="{3FBF03E8-C602-4192-9C52-F84B29FDCC88}"/>
+              </a:ext>
+              <a:ext uri="{C183D7F6-B498-43B3-948B-1728B52AA6E4}">
+                <adec:decorative xmlns:adec="http://schemas.microsoft.com/office/drawing/2017/decorative" val="1"/>
+              </a:ext>
+            </a:extLst>
+          </p:cNvPr>
+          <p:cNvSpPr txBox="1">
+            <a:spLocks noGrp="1" noRot="1" noChangeAspect="1" noMove="1" noResize="1" noEditPoints="1" noAdjustHandles="1" noChangeArrowheads="1" noChangeShapeType="1" noTextEdit="1"/>
+          </p:cNvSpPr>
+          <p:nvPr>
+            <p:extLst>
+              <p:ext uri="{386F3935-93C4-4BCD-93E2-E3B085C9AB24}">
+                <p16:designElem xmlns:p16="http://schemas.microsoft.com/office/powerpoint/2015/main" val="1"/>
+              </p:ext>
+            </p:extLst>
+          </p:nvPr>
+        </p:nvSpPr>
+        <p:spPr>
+          <a:xfrm>
+            <a:off x="7723229" y="6007878"/>
+            <a:ext cx="3500715" cy="309201"/>
+          </a:xfrm>
+          <a:prstGeom prst="rect">
+            <a:avLst/>
+          </a:prstGeom>
+        </p:spPr>
+        <p:txBody>
+          <a:bodyPr vert="horz" lIns="91440" tIns="45720" rIns="91440" bIns="45720" rtlCol="0" anchor="ctr"/>
+          <a:lstStyle>
+            <a:defPPr>
+              <a:defRPr lang="en-US"/>
+            </a:defPPr>
+            <a:lvl1pPr marL="0" algn="r" defTabSz="457200" rtl="0" eaLnBrk="1" latinLnBrk="0" hangingPunct="1">
+              <a:defRPr sz="1200" kern="1200">
+                <a:solidFill>
+                  <a:schemeClr val="tx1">
+                    <a:tint val="75000"/>
+                  </a:schemeClr>
+                </a:solidFill>
+                <a:latin typeface="+mn-lt"/>
+                <a:ea typeface="+mn-ea"/>
+                <a:cs typeface="+mn-cs"/>
+              </a:defRPr>
+            </a:lvl1pPr>
+            <a:lvl2pPr marL="457200" algn="l" defTabSz="457200" rtl="0" eaLnBrk="1" latinLnBrk="0" hangingPunct="1">
+              <a:defRPr sz="1800" kern="1200">
+                <a:solidFill>
+                  <a:schemeClr val="tx1"/>
+                </a:solidFill>
+                <a:latin typeface="+mn-lt"/>
+                <a:ea typeface="+mn-ea"/>
+                <a:cs typeface="+mn-cs"/>
+              </a:defRPr>
+            </a:lvl2pPr>
+            <a:lvl3pPr marL="914400" algn="l" defTabSz="457200" rtl="0" eaLnBrk="1" latinLnBrk="0" hangingPunct="1">
+              <a:defRPr sz="1800" kern="1200">
+                <a:solidFill>
+                  <a:schemeClr val="tx1"/>
+                </a:solidFill>
+                <a:latin typeface="+mn-lt"/>
+                <a:ea typeface="+mn-ea"/>
+                <a:cs typeface="+mn-cs"/>
+              </a:defRPr>
+            </a:lvl3pPr>
+            <a:lvl4pPr marL="1371600" algn="l" defTabSz="457200" rtl="0" eaLnBrk="1" latinLnBrk="0" hangingPunct="1">
+              <a:defRPr sz="1800" kern="1200">
+                <a:solidFill>
+                  <a:schemeClr val="tx1"/>
+                </a:solidFill>
+                <a:latin typeface="+mn-lt"/>
+                <a:ea typeface="+mn-ea"/>
+                <a:cs typeface="+mn-cs"/>
+              </a:defRPr>
+            </a:lvl4pPr>
+            <a:lvl5pPr marL="1828800" algn="l" defTabSz="457200" rtl="0" eaLnBrk="1" latinLnBrk="0" hangingPunct="1">
+              <a:defRPr sz="1800" kern="1200">
+                <a:solidFill>
+                  <a:schemeClr val="tx1"/>
+                </a:solidFill>
+                <a:latin typeface="+mn-lt"/>
+                <a:ea typeface="+mn-ea"/>
+                <a:cs typeface="+mn-cs"/>
+              </a:defRPr>
+            </a:lvl5pPr>
+            <a:lvl6pPr marL="2286000" algn="l" defTabSz="457200" rtl="0" eaLnBrk="1" latinLnBrk="0" hangingPunct="1">
+              <a:defRPr sz="1800" kern="1200">
+                <a:solidFill>
+                  <a:schemeClr val="tx1"/>
+                </a:solidFill>
+                <a:latin typeface="+mn-lt"/>
+                <a:ea typeface="+mn-ea"/>
+                <a:cs typeface="+mn-cs"/>
+              </a:defRPr>
+            </a:lvl6pPr>
+            <a:lvl7pPr marL="2743200" algn="l" defTabSz="457200" rtl="0" eaLnBrk="1" latinLnBrk="0" hangingPunct="1">
+              <a:defRPr sz="1800" kern="1200">
+                <a:solidFill>
+                  <a:schemeClr val="tx1"/>
+                </a:solidFill>
+                <a:latin typeface="+mn-lt"/>
+                <a:ea typeface="+mn-ea"/>
+                <a:cs typeface="+mn-cs"/>
+              </a:defRPr>
+            </a:lvl7pPr>
+            <a:lvl8pPr marL="3200400" algn="l" defTabSz="457200" rtl="0" eaLnBrk="1" latinLnBrk="0" hangingPunct="1">
+              <a:defRPr sz="1800" kern="1200">
+                <a:solidFill>
+                  <a:schemeClr val="tx1"/>
+                </a:solidFill>
+                <a:latin typeface="+mn-lt"/>
+                <a:ea typeface="+mn-ea"/>
+                <a:cs typeface="+mn-cs"/>
+              </a:defRPr>
+            </a:lvl8pPr>
+            <a:lvl9pPr marL="3657600" algn="l" defTabSz="457200" rtl="0" eaLnBrk="1" latinLnBrk="0" hangingPunct="1">
+              <a:defRPr sz="1800" kern="1200">
+                <a:solidFill>
+                  <a:schemeClr val="tx1"/>
+                </a:solidFill>
+                <a:latin typeface="+mn-lt"/>
+                <a:ea typeface="+mn-ea"/>
+                <a:cs typeface="+mn-cs"/>
+              </a:defRPr>
+            </a:lvl9pPr>
+          </a:lstStyle>
+          <a:p>
+            <a:endParaRPr lang="en-US" dirty="0">
+              <a:solidFill>
+                <a:schemeClr val="tx1"/>
+              </a:solidFill>
+            </a:endParaRPr>
+          </a:p>
+        </p:txBody>
+      </p:sp>
+    </p:spTree>
+    <p:extLst>
+      <p:ext uri="{BB962C8B-B14F-4D97-AF65-F5344CB8AC3E}">
+        <p14:creationId xmlns:p14="http://schemas.microsoft.com/office/powerpoint/2010/main" val="606315925"/>
+      </p:ext>
+    </p:extLst>
+  </p:cSld>
+  <p:clrMapOvr>
+    <a:overrideClrMapping bg1="dk1" tx1="lt1" bg2="dk2" tx2="lt2" accent1="accent1" accent2="accent2" accent3="accent3" accent4="accent4" accent5="accent5" accent6="accent6" hlink="hlink" folHlink="folHlink"/>
+  </p:clrMapOvr>
+</p:sld>
+</file>
+
+<file path=ppt/slides/slide4.xml><?xml version="1.0" encoding="utf-8"?>
+<p:sld xmlns:a="http://schemas.openxmlformats.org/drawingml/2006/main" xmlns:r="http://schemas.openxmlformats.org/officeDocument/2006/relationships" xmlns:p="http://schemas.openxmlformats.org/presentationml/2006/main">
+  <p:cSld>
+    <p:bg>
+      <p:bgPr>
         <a:gradFill rotWithShape="1">
           <a:gsLst>
             <a:gs pos="0">
@@ -7824,767 +8584,6 @@
 </p:sld>
 </file>
 
-<file path=ppt/slides/slide4.xml><?xml version="1.0" encoding="utf-8"?>
-<p:sld xmlns:a="http://schemas.openxmlformats.org/drawingml/2006/main" xmlns:r="http://schemas.openxmlformats.org/officeDocument/2006/relationships" xmlns:p="http://schemas.openxmlformats.org/presentationml/2006/main">
-  <p:cSld>
-    <p:bg>
-      <p:bgPr>
-        <a:solidFill>
-          <a:schemeClr val="bg1"/>
-        </a:solidFill>
-        <a:effectLst/>
-      </p:bgPr>
-    </p:bg>
-    <p:spTree>
-      <p:nvGrpSpPr>
-        <p:cNvPr id="1" name=""/>
-        <p:cNvGrpSpPr/>
-        <p:nvPr/>
-      </p:nvGrpSpPr>
-      <p:grpSpPr>
-        <a:xfrm>
-          <a:off x="0" y="0"/>
-          <a:ext cx="0" cy="0"/>
-          <a:chOff x="0" y="0"/>
-          <a:chExt cx="0" cy="0"/>
-        </a:xfrm>
-      </p:grpSpPr>
-      <p:sp useBgFill="1">
-        <p:nvSpPr>
-          <p:cNvPr id="12" name="Rectangle 11">
-            <a:extLst>
-              <a:ext uri="{FF2B5EF4-FFF2-40B4-BE49-F238E27FC236}">
-                <a16:creationId xmlns:a16="http://schemas.microsoft.com/office/drawing/2014/main" id="{C6870151-9189-4C3A-8379-EF3D95827A0A}"/>
-              </a:ext>
-              <a:ext uri="{C183D7F6-B498-43B3-948B-1728B52AA6E4}">
-                <adec:decorative xmlns:adec="http://schemas.microsoft.com/office/drawing/2017/decorative" val="1"/>
-              </a:ext>
-            </a:extLst>
-          </p:cNvPr>
-          <p:cNvSpPr>
-            <a:spLocks noGrp="1" noRot="1" noChangeAspect="1" noMove="1" noResize="1" noEditPoints="1" noAdjustHandles="1" noChangeArrowheads="1" noChangeShapeType="1" noTextEdit="1"/>
-          </p:cNvSpPr>
-          <p:nvPr>
-            <p:extLst>
-              <p:ext uri="{386F3935-93C4-4BCD-93E2-E3B085C9AB24}">
-                <p16:designElem xmlns:p16="http://schemas.microsoft.com/office/powerpoint/2015/main" val="1"/>
-              </p:ext>
-            </p:extLst>
-          </p:nvPr>
-        </p:nvSpPr>
-        <p:spPr>
-          <a:xfrm>
-            <a:off x="0" y="0"/>
-            <a:ext cx="12192000" cy="6858000"/>
-          </a:xfrm>
-          <a:prstGeom prst="rect">
-            <a:avLst/>
-          </a:prstGeom>
-          <a:ln>
-            <a:noFill/>
-          </a:ln>
-        </p:spPr>
-        <p:style>
-          <a:lnRef idx="2">
-            <a:schemeClr val="accent1">
-              <a:shade val="50000"/>
-            </a:schemeClr>
-          </a:lnRef>
-          <a:fillRef idx="1">
-            <a:schemeClr val="accent1"/>
-          </a:fillRef>
-          <a:effectRef idx="0">
-            <a:schemeClr val="accent1"/>
-          </a:effectRef>
-          <a:fontRef idx="minor">
-            <a:schemeClr val="lt1"/>
-          </a:fontRef>
-        </p:style>
-        <p:txBody>
-          <a:bodyPr rtlCol="0" anchor="ctr"/>
-          <a:lstStyle/>
-          <a:p>
-            <a:pPr algn="ctr"/>
-            <a:endParaRPr lang="en-US"/>
-          </a:p>
-        </p:txBody>
-      </p:sp>
-      <p:pic>
-        <p:nvPicPr>
-          <p:cNvPr id="7" name="Picture 6" descr="A picture containing clipart&#10;&#10;Description automatically generated">
-            <a:extLst>
-              <a:ext uri="{FF2B5EF4-FFF2-40B4-BE49-F238E27FC236}">
-                <a16:creationId xmlns:a16="http://schemas.microsoft.com/office/drawing/2014/main" id="{59C21E83-C216-4AD6-B053-7A97BC022A31}"/>
-              </a:ext>
-            </a:extLst>
-          </p:cNvPr>
-          <p:cNvPicPr>
-            <a:picLocks noChangeAspect="1"/>
-          </p:cNvPicPr>
-          <p:nvPr/>
-        </p:nvPicPr>
-        <p:blipFill rotWithShape="1">
-          <a:blip r:embed="rId2">
-            <a:alphaModFix amt="50000"/>
-            <a:extLst>
-              <a:ext uri="{28A0092B-C50C-407E-A947-70E740481C1C}">
-                <a14:useLocalDpi xmlns:a14="http://schemas.microsoft.com/office/drawing/2010/main" val="0"/>
-              </a:ext>
-            </a:extLst>
-          </a:blip>
-          <a:srcRect t="5381" r="-1" b="2023"/>
-          <a:stretch/>
-        </p:blipFill>
-        <p:spPr>
-          <a:xfrm>
-            <a:off x="305" y="10"/>
-            <a:ext cx="12191695" cy="6857990"/>
-          </a:xfrm>
-          <a:prstGeom prst="rect">
-            <a:avLst/>
-          </a:prstGeom>
-        </p:spPr>
-      </p:pic>
-      <p:sp>
-        <p:nvSpPr>
-          <p:cNvPr id="14" name="Slide Number Placeholder 7">
-            <a:extLst>
-              <a:ext uri="{FF2B5EF4-FFF2-40B4-BE49-F238E27FC236}">
-                <a16:creationId xmlns:a16="http://schemas.microsoft.com/office/drawing/2014/main" id="{123EA69C-102A-4DD0-9547-05DCD271D159}"/>
-              </a:ext>
-              <a:ext uri="{C183D7F6-B498-43B3-948B-1728B52AA6E4}">
-                <adec:decorative xmlns:adec="http://schemas.microsoft.com/office/drawing/2017/decorative" val="1"/>
-              </a:ext>
-            </a:extLst>
-          </p:cNvPr>
-          <p:cNvSpPr txBox="1">
-            <a:spLocks noGrp="1" noRot="1" noChangeAspect="1" noMove="1" noResize="1" noEditPoints="1" noAdjustHandles="1" noChangeArrowheads="1" noChangeShapeType="1" noTextEdit="1"/>
-          </p:cNvSpPr>
-          <p:nvPr>
-            <p:extLst>
-              <p:ext uri="{386F3935-93C4-4BCD-93E2-E3B085C9AB24}">
-                <p16:designElem xmlns:p16="http://schemas.microsoft.com/office/powerpoint/2015/main" val="1"/>
-              </p:ext>
-            </p:extLst>
-          </p:nvPr>
-        </p:nvSpPr>
-        <p:spPr>
-          <a:xfrm>
-            <a:off x="3512301" y="443732"/>
-            <a:ext cx="811019" cy="503578"/>
-          </a:xfrm>
-          <a:prstGeom prst="rect">
-            <a:avLst/>
-          </a:prstGeom>
-        </p:spPr>
-        <p:txBody>
-          <a:bodyPr vert="horz" lIns="91440" tIns="45720" rIns="91440" bIns="45720" rtlCol="0" anchor="t"/>
-          <a:lstStyle>
-            <a:defPPr>
-              <a:defRPr lang="en-US"/>
-            </a:defPPr>
-            <a:lvl1pPr marL="0" algn="r" defTabSz="457200" rtl="0" eaLnBrk="1" latinLnBrk="0" hangingPunct="1">
-              <a:defRPr sz="2800" kern="1200">
-                <a:solidFill>
-                  <a:schemeClr val="accent1"/>
-                </a:solidFill>
-                <a:latin typeface="+mn-lt"/>
-                <a:ea typeface="+mn-ea"/>
-                <a:cs typeface="+mn-cs"/>
-              </a:defRPr>
-            </a:lvl1pPr>
-            <a:lvl2pPr marL="457200" algn="l" defTabSz="457200" rtl="0" eaLnBrk="1" latinLnBrk="0" hangingPunct="1">
-              <a:defRPr sz="1800" kern="1200">
-                <a:solidFill>
-                  <a:schemeClr val="tx1"/>
-                </a:solidFill>
-                <a:latin typeface="+mn-lt"/>
-                <a:ea typeface="+mn-ea"/>
-                <a:cs typeface="+mn-cs"/>
-              </a:defRPr>
-            </a:lvl2pPr>
-            <a:lvl3pPr marL="914400" algn="l" defTabSz="457200" rtl="0" eaLnBrk="1" latinLnBrk="0" hangingPunct="1">
-              <a:defRPr sz="1800" kern="1200">
-                <a:solidFill>
-                  <a:schemeClr val="tx1"/>
-                </a:solidFill>
-                <a:latin typeface="+mn-lt"/>
-                <a:ea typeface="+mn-ea"/>
-                <a:cs typeface="+mn-cs"/>
-              </a:defRPr>
-            </a:lvl3pPr>
-            <a:lvl4pPr marL="1371600" algn="l" defTabSz="457200" rtl="0" eaLnBrk="1" latinLnBrk="0" hangingPunct="1">
-              <a:defRPr sz="1800" kern="1200">
-                <a:solidFill>
-                  <a:schemeClr val="tx1"/>
-                </a:solidFill>
-                <a:latin typeface="+mn-lt"/>
-                <a:ea typeface="+mn-ea"/>
-                <a:cs typeface="+mn-cs"/>
-              </a:defRPr>
-            </a:lvl4pPr>
-            <a:lvl5pPr marL="1828800" algn="l" defTabSz="457200" rtl="0" eaLnBrk="1" latinLnBrk="0" hangingPunct="1">
-              <a:defRPr sz="1800" kern="1200">
-                <a:solidFill>
-                  <a:schemeClr val="tx1"/>
-                </a:solidFill>
-                <a:latin typeface="+mn-lt"/>
-                <a:ea typeface="+mn-ea"/>
-                <a:cs typeface="+mn-cs"/>
-              </a:defRPr>
-            </a:lvl5pPr>
-            <a:lvl6pPr marL="2286000" algn="l" defTabSz="457200" rtl="0" eaLnBrk="1" latinLnBrk="0" hangingPunct="1">
-              <a:defRPr sz="1800" kern="1200">
-                <a:solidFill>
-                  <a:schemeClr val="tx1"/>
-                </a:solidFill>
-                <a:latin typeface="+mn-lt"/>
-                <a:ea typeface="+mn-ea"/>
-                <a:cs typeface="+mn-cs"/>
-              </a:defRPr>
-            </a:lvl6pPr>
-            <a:lvl7pPr marL="2743200" algn="l" defTabSz="457200" rtl="0" eaLnBrk="1" latinLnBrk="0" hangingPunct="1">
-              <a:defRPr sz="1800" kern="1200">
-                <a:solidFill>
-                  <a:schemeClr val="tx1"/>
-                </a:solidFill>
-                <a:latin typeface="+mn-lt"/>
-                <a:ea typeface="+mn-ea"/>
-                <a:cs typeface="+mn-cs"/>
-              </a:defRPr>
-            </a:lvl7pPr>
-            <a:lvl8pPr marL="3200400" algn="l" defTabSz="457200" rtl="0" eaLnBrk="1" latinLnBrk="0" hangingPunct="1">
-              <a:defRPr sz="1800" kern="1200">
-                <a:solidFill>
-                  <a:schemeClr val="tx1"/>
-                </a:solidFill>
-                <a:latin typeface="+mn-lt"/>
-                <a:ea typeface="+mn-ea"/>
-                <a:cs typeface="+mn-cs"/>
-              </a:defRPr>
-            </a:lvl8pPr>
-            <a:lvl9pPr marL="3657600" algn="l" defTabSz="457200" rtl="0" eaLnBrk="1" latinLnBrk="0" hangingPunct="1">
-              <a:defRPr sz="1800" kern="1200">
-                <a:solidFill>
-                  <a:schemeClr val="tx1"/>
-                </a:solidFill>
-                <a:latin typeface="+mn-lt"/>
-                <a:ea typeface="+mn-ea"/>
-                <a:cs typeface="+mn-cs"/>
-              </a:defRPr>
-            </a:lvl9pPr>
-          </a:lstStyle>
-          <a:p>
-            <a:endParaRPr lang="en-US" dirty="0"/>
-          </a:p>
-        </p:txBody>
-      </p:sp>
-      <p:sp>
-        <p:nvSpPr>
-          <p:cNvPr id="16" name="Footer Placeholder 6">
-            <a:extLst>
-              <a:ext uri="{FF2B5EF4-FFF2-40B4-BE49-F238E27FC236}">
-                <a16:creationId xmlns:a16="http://schemas.microsoft.com/office/drawing/2014/main" id="{6A862265-5CA3-4C40-8582-7534C3B03C2A}"/>
-              </a:ext>
-              <a:ext uri="{C183D7F6-B498-43B3-948B-1728B52AA6E4}">
-                <adec:decorative xmlns:adec="http://schemas.microsoft.com/office/drawing/2017/decorative" val="1"/>
-              </a:ext>
-            </a:extLst>
-          </p:cNvPr>
-          <p:cNvSpPr txBox="1">
-            <a:spLocks noGrp="1" noRot="1" noChangeAspect="1" noMove="1" noResize="1" noEditPoints="1" noAdjustHandles="1" noChangeArrowheads="1" noChangeShapeType="1" noTextEdit="1"/>
-          </p:cNvSpPr>
-          <p:nvPr>
-            <p:extLst>
-              <p:ext uri="{386F3935-93C4-4BCD-93E2-E3B085C9AB24}">
-                <p16:designElem xmlns:p16="http://schemas.microsoft.com/office/powerpoint/2015/main" val="1"/>
-              </p:ext>
-            </p:extLst>
-          </p:nvPr>
-        </p:nvSpPr>
-        <p:spPr>
-          <a:xfrm>
-            <a:off x="4976636" y="540921"/>
-            <a:ext cx="4973915" cy="309201"/>
-          </a:xfrm>
-          <a:prstGeom prst="rect">
-            <a:avLst/>
-          </a:prstGeom>
-        </p:spPr>
-        <p:txBody>
-          <a:bodyPr vert="horz" lIns="91440" tIns="45720" rIns="91440" bIns="45720" rtlCol="0" anchor="ctr"/>
-          <a:lstStyle>
-            <a:defPPr>
-              <a:defRPr lang="en-US"/>
-            </a:defPPr>
-            <a:lvl1pPr marL="0" algn="l" defTabSz="457200" rtl="0" eaLnBrk="1" latinLnBrk="0" hangingPunct="1">
-              <a:defRPr sz="1200" kern="1200">
-                <a:solidFill>
-                  <a:schemeClr val="tx1">
-                    <a:tint val="75000"/>
-                  </a:schemeClr>
-                </a:solidFill>
-                <a:latin typeface="+mn-lt"/>
-                <a:ea typeface="+mn-ea"/>
-                <a:cs typeface="+mn-cs"/>
-              </a:defRPr>
-            </a:lvl1pPr>
-            <a:lvl2pPr marL="457200" algn="l" defTabSz="457200" rtl="0" eaLnBrk="1" latinLnBrk="0" hangingPunct="1">
-              <a:defRPr sz="1800" kern="1200">
-                <a:solidFill>
-                  <a:schemeClr val="tx1"/>
-                </a:solidFill>
-                <a:latin typeface="+mn-lt"/>
-                <a:ea typeface="+mn-ea"/>
-                <a:cs typeface="+mn-cs"/>
-              </a:defRPr>
-            </a:lvl2pPr>
-            <a:lvl3pPr marL="914400" algn="l" defTabSz="457200" rtl="0" eaLnBrk="1" latinLnBrk="0" hangingPunct="1">
-              <a:defRPr sz="1800" kern="1200">
-                <a:solidFill>
-                  <a:schemeClr val="tx1"/>
-                </a:solidFill>
-                <a:latin typeface="+mn-lt"/>
-                <a:ea typeface="+mn-ea"/>
-                <a:cs typeface="+mn-cs"/>
-              </a:defRPr>
-            </a:lvl3pPr>
-            <a:lvl4pPr marL="1371600" algn="l" defTabSz="457200" rtl="0" eaLnBrk="1" latinLnBrk="0" hangingPunct="1">
-              <a:defRPr sz="1800" kern="1200">
-                <a:solidFill>
-                  <a:schemeClr val="tx1"/>
-                </a:solidFill>
-                <a:latin typeface="+mn-lt"/>
-                <a:ea typeface="+mn-ea"/>
-                <a:cs typeface="+mn-cs"/>
-              </a:defRPr>
-            </a:lvl4pPr>
-            <a:lvl5pPr marL="1828800" algn="l" defTabSz="457200" rtl="0" eaLnBrk="1" latinLnBrk="0" hangingPunct="1">
-              <a:defRPr sz="1800" kern="1200">
-                <a:solidFill>
-                  <a:schemeClr val="tx1"/>
-                </a:solidFill>
-                <a:latin typeface="+mn-lt"/>
-                <a:ea typeface="+mn-ea"/>
-                <a:cs typeface="+mn-cs"/>
-              </a:defRPr>
-            </a:lvl5pPr>
-            <a:lvl6pPr marL="2286000" algn="l" defTabSz="457200" rtl="0" eaLnBrk="1" latinLnBrk="0" hangingPunct="1">
-              <a:defRPr sz="1800" kern="1200">
-                <a:solidFill>
-                  <a:schemeClr val="tx1"/>
-                </a:solidFill>
-                <a:latin typeface="+mn-lt"/>
-                <a:ea typeface="+mn-ea"/>
-                <a:cs typeface="+mn-cs"/>
-              </a:defRPr>
-            </a:lvl6pPr>
-            <a:lvl7pPr marL="2743200" algn="l" defTabSz="457200" rtl="0" eaLnBrk="1" latinLnBrk="0" hangingPunct="1">
-              <a:defRPr sz="1800" kern="1200">
-                <a:solidFill>
-                  <a:schemeClr val="tx1"/>
-                </a:solidFill>
-                <a:latin typeface="+mn-lt"/>
-                <a:ea typeface="+mn-ea"/>
-                <a:cs typeface="+mn-cs"/>
-              </a:defRPr>
-            </a:lvl7pPr>
-            <a:lvl8pPr marL="3200400" algn="l" defTabSz="457200" rtl="0" eaLnBrk="1" latinLnBrk="0" hangingPunct="1">
-              <a:defRPr sz="1800" kern="1200">
-                <a:solidFill>
-                  <a:schemeClr val="tx1"/>
-                </a:solidFill>
-                <a:latin typeface="+mn-lt"/>
-                <a:ea typeface="+mn-ea"/>
-                <a:cs typeface="+mn-cs"/>
-              </a:defRPr>
-            </a:lvl8pPr>
-            <a:lvl9pPr marL="3657600" algn="l" defTabSz="457200" rtl="0" eaLnBrk="1" latinLnBrk="0" hangingPunct="1">
-              <a:defRPr sz="1800" kern="1200">
-                <a:solidFill>
-                  <a:schemeClr val="tx1"/>
-                </a:solidFill>
-                <a:latin typeface="+mn-lt"/>
-                <a:ea typeface="+mn-ea"/>
-                <a:cs typeface="+mn-cs"/>
-              </a:defRPr>
-            </a:lvl9pPr>
-          </a:lstStyle>
-          <a:p>
-            <a:endParaRPr lang="en-US" dirty="0">
-              <a:solidFill>
-                <a:schemeClr val="tx1"/>
-              </a:solidFill>
-            </a:endParaRPr>
-          </a:p>
-        </p:txBody>
-      </p:sp>
-      <p:sp>
-        <p:nvSpPr>
-          <p:cNvPr id="18" name="Rectangle 17">
-            <a:extLst>
-              <a:ext uri="{FF2B5EF4-FFF2-40B4-BE49-F238E27FC236}">
-                <a16:creationId xmlns:a16="http://schemas.microsoft.com/office/drawing/2014/main" id="{600EF80B-0391-4082-9AF5-F15B091B4CE9}"/>
-              </a:ext>
-              <a:ext uri="{C183D7F6-B498-43B3-948B-1728B52AA6E4}">
-                <adec:decorative xmlns:adec="http://schemas.microsoft.com/office/drawing/2017/decorative" val="1"/>
-              </a:ext>
-            </a:extLst>
-          </p:cNvPr>
-          <p:cNvSpPr>
-            <a:spLocks noGrp="1" noRot="1" noChangeAspect="1" noMove="1" noResize="1" noEditPoints="1" noAdjustHandles="1" noChangeArrowheads="1" noChangeShapeType="1" noTextEdit="1"/>
-          </p:cNvSpPr>
-          <p:nvPr>
-            <p:extLst>
-              <p:ext uri="{386F3935-93C4-4BCD-93E2-E3B085C9AB24}">
-                <p16:designElem xmlns:p16="http://schemas.microsoft.com/office/powerpoint/2015/main" val="1"/>
-              </p:ext>
-            </p:extLst>
-          </p:nvPr>
-        </p:nvSpPr>
-        <p:spPr>
-          <a:xfrm>
-            <a:off x="0" y="1193800"/>
-            <a:ext cx="12192000" cy="5664199"/>
-          </a:xfrm>
-          <a:prstGeom prst="rect">
-            <a:avLst/>
-          </a:prstGeom>
-          <a:gradFill flip="none" rotWithShape="1">
-            <a:gsLst>
-              <a:gs pos="0">
-                <a:schemeClr val="bg2">
-                  <a:lumMod val="87000"/>
-                  <a:alpha val="4000"/>
-                </a:schemeClr>
-              </a:gs>
-              <a:gs pos="100000">
-                <a:schemeClr val="bg2">
-                  <a:lumMod val="95000"/>
-                  <a:lumOff val="5000"/>
-                </a:schemeClr>
-              </a:gs>
-            </a:gsLst>
-            <a:lin ang="5400000" scaled="0"/>
-            <a:tileRect/>
-          </a:gradFill>
-          <a:ln>
-            <a:noFill/>
-          </a:ln>
-        </p:spPr>
-        <p:style>
-          <a:lnRef idx="2">
-            <a:schemeClr val="accent1">
-              <a:shade val="50000"/>
-            </a:schemeClr>
-          </a:lnRef>
-          <a:fillRef idx="1">
-            <a:schemeClr val="accent1"/>
-          </a:fillRef>
-          <a:effectRef idx="0">
-            <a:schemeClr val="accent1"/>
-          </a:effectRef>
-          <a:fontRef idx="minor">
-            <a:schemeClr val="lt1"/>
-          </a:fontRef>
-        </p:style>
-        <p:txBody>
-          <a:bodyPr/>
-          <a:lstStyle/>
-          <a:p>
-            <a:endParaRPr lang="en-US" dirty="0"/>
-          </a:p>
-        </p:txBody>
-      </p:sp>
-      <p:sp>
-        <p:nvSpPr>
-          <p:cNvPr id="2" name="Title 1">
-            <a:extLst>
-              <a:ext uri="{FF2B5EF4-FFF2-40B4-BE49-F238E27FC236}">
-                <a16:creationId xmlns:a16="http://schemas.microsoft.com/office/drawing/2014/main" id="{F1FFE657-E43D-4BB7-8E5B-D73153C4CB5E}"/>
-              </a:ext>
-            </a:extLst>
-          </p:cNvPr>
-          <p:cNvSpPr>
-            <a:spLocks noGrp="1"/>
-          </p:cNvSpPr>
-          <p:nvPr>
-            <p:ph type="title"/>
-          </p:nvPr>
-        </p:nvSpPr>
-        <p:spPr>
-          <a:xfrm>
-            <a:off x="1130271" y="1193800"/>
-            <a:ext cx="3193050" cy="4699000"/>
-          </a:xfrm>
-        </p:spPr>
-        <p:txBody>
-          <a:bodyPr anchor="ctr">
-            <a:normAutofit/>
-          </a:bodyPr>
-          <a:lstStyle/>
-          <a:p>
-            <a:r>
-              <a:rPr lang="en-US" dirty="0"/>
-              <a:t>tools</a:t>
-            </a:r>
-          </a:p>
-        </p:txBody>
-      </p:sp>
-      <p:cxnSp>
-        <p:nvCxnSpPr>
-          <p:cNvPr id="20" name="Straight Connector 19">
-            <a:extLst>
-              <a:ext uri="{FF2B5EF4-FFF2-40B4-BE49-F238E27FC236}">
-                <a16:creationId xmlns:a16="http://schemas.microsoft.com/office/drawing/2014/main" id="{D33AC32D-5F44-45F7-A0BD-7C11A86BED57}"/>
-              </a:ext>
-              <a:ext uri="{C183D7F6-B498-43B3-948B-1728B52AA6E4}">
-                <adec:decorative xmlns:adec="http://schemas.microsoft.com/office/drawing/2017/decorative" val="1"/>
-              </a:ext>
-            </a:extLst>
-          </p:cNvPr>
-          <p:cNvCxnSpPr>
-            <a:cxnSpLocks noGrp="1" noRot="1" noChangeAspect="1" noMove="1" noResize="1" noEditPoints="1" noAdjustHandles="1" noChangeArrowheads="1" noChangeShapeType="1"/>
-          </p:cNvCxnSpPr>
-          <p:nvPr>
-            <p:extLst>
-              <p:ext uri="{386F3935-93C4-4BCD-93E2-E3B085C9AB24}">
-                <p16:designElem xmlns:p16="http://schemas.microsoft.com/office/powerpoint/2015/main" val="1"/>
-              </p:ext>
-            </p:extLst>
-          </p:nvPr>
-        </p:nvCxnSpPr>
-        <p:spPr>
-          <a:xfrm>
-            <a:off x="4654296" y="1600200"/>
-            <a:ext cx="0" cy="3657600"/>
-          </a:xfrm>
-          <a:prstGeom prst="line">
-            <a:avLst/>
-          </a:prstGeom>
-          <a:ln w="31750">
-            <a:solidFill>
-              <a:schemeClr val="tx1">
-                <a:alpha val="80000"/>
-              </a:schemeClr>
-            </a:solidFill>
-          </a:ln>
-        </p:spPr>
-        <p:style>
-          <a:lnRef idx="1">
-            <a:schemeClr val="accent1"/>
-          </a:lnRef>
-          <a:fillRef idx="0">
-            <a:schemeClr val="accent1"/>
-          </a:fillRef>
-          <a:effectRef idx="0">
-            <a:schemeClr val="accent1"/>
-          </a:effectRef>
-          <a:fontRef idx="minor">
-            <a:schemeClr val="tx1"/>
-          </a:fontRef>
-        </p:style>
-      </p:cxnSp>
-      <p:sp>
-        <p:nvSpPr>
-          <p:cNvPr id="3" name="Content Placeholder 2">
-            <a:extLst>
-              <a:ext uri="{FF2B5EF4-FFF2-40B4-BE49-F238E27FC236}">
-                <a16:creationId xmlns:a16="http://schemas.microsoft.com/office/drawing/2014/main" id="{E3DE3DEB-73F5-415C-8164-6E53180A811C}"/>
-              </a:ext>
-            </a:extLst>
-          </p:cNvPr>
-          <p:cNvSpPr>
-            <a:spLocks noGrp="1"/>
-          </p:cNvSpPr>
-          <p:nvPr>
-            <p:ph idx="1"/>
-          </p:nvPr>
-        </p:nvSpPr>
-        <p:spPr>
-          <a:xfrm>
-            <a:off x="4976636" y="1193800"/>
-            <a:ext cx="6085091" cy="4699000"/>
-          </a:xfrm>
-        </p:spPr>
-        <p:txBody>
-          <a:bodyPr anchor="ctr">
-            <a:normAutofit/>
-          </a:bodyPr>
-          <a:lstStyle/>
-          <a:p>
-            <a:r>
-              <a:rPr lang="en-US" sz="4000" dirty="0"/>
-              <a:t>Python 3</a:t>
-            </a:r>
-          </a:p>
-          <a:p>
-            <a:r>
-              <a:rPr lang="en-US" sz="4000" dirty="0"/>
-              <a:t>beautifulsoup4</a:t>
-            </a:r>
-          </a:p>
-          <a:p>
-            <a:r>
-              <a:rPr lang="en-US" sz="4000" dirty="0"/>
-              <a:t>requests</a:t>
-            </a:r>
-          </a:p>
-        </p:txBody>
-      </p:sp>
-      <p:sp>
-        <p:nvSpPr>
-          <p:cNvPr id="22" name="Date Placeholder 1">
-            <a:extLst>
-              <a:ext uri="{FF2B5EF4-FFF2-40B4-BE49-F238E27FC236}">
-                <a16:creationId xmlns:a16="http://schemas.microsoft.com/office/drawing/2014/main" id="{3FBF03E8-C602-4192-9C52-F84B29FDCC88}"/>
-              </a:ext>
-              <a:ext uri="{C183D7F6-B498-43B3-948B-1728B52AA6E4}">
-                <adec:decorative xmlns:adec="http://schemas.microsoft.com/office/drawing/2017/decorative" val="1"/>
-              </a:ext>
-            </a:extLst>
-          </p:cNvPr>
-          <p:cNvSpPr txBox="1">
-            <a:spLocks noGrp="1" noRot="1" noChangeAspect="1" noMove="1" noResize="1" noEditPoints="1" noAdjustHandles="1" noChangeArrowheads="1" noChangeShapeType="1" noTextEdit="1"/>
-          </p:cNvSpPr>
-          <p:nvPr>
-            <p:extLst>
-              <p:ext uri="{386F3935-93C4-4BCD-93E2-E3B085C9AB24}">
-                <p16:designElem xmlns:p16="http://schemas.microsoft.com/office/powerpoint/2015/main" val="1"/>
-              </p:ext>
-            </p:extLst>
-          </p:nvPr>
-        </p:nvSpPr>
-        <p:spPr>
-          <a:xfrm>
-            <a:off x="7723229" y="6007878"/>
-            <a:ext cx="3500715" cy="309201"/>
-          </a:xfrm>
-          <a:prstGeom prst="rect">
-            <a:avLst/>
-          </a:prstGeom>
-        </p:spPr>
-        <p:txBody>
-          <a:bodyPr vert="horz" lIns="91440" tIns="45720" rIns="91440" bIns="45720" rtlCol="0" anchor="ctr"/>
-          <a:lstStyle>
-            <a:defPPr>
-              <a:defRPr lang="en-US"/>
-            </a:defPPr>
-            <a:lvl1pPr marL="0" algn="r" defTabSz="457200" rtl="0" eaLnBrk="1" latinLnBrk="0" hangingPunct="1">
-              <a:defRPr sz="1200" kern="1200">
-                <a:solidFill>
-                  <a:schemeClr val="tx1">
-                    <a:tint val="75000"/>
-                  </a:schemeClr>
-                </a:solidFill>
-                <a:latin typeface="+mn-lt"/>
-                <a:ea typeface="+mn-ea"/>
-                <a:cs typeface="+mn-cs"/>
-              </a:defRPr>
-            </a:lvl1pPr>
-            <a:lvl2pPr marL="457200" algn="l" defTabSz="457200" rtl="0" eaLnBrk="1" latinLnBrk="0" hangingPunct="1">
-              <a:defRPr sz="1800" kern="1200">
-                <a:solidFill>
-                  <a:schemeClr val="tx1"/>
-                </a:solidFill>
-                <a:latin typeface="+mn-lt"/>
-                <a:ea typeface="+mn-ea"/>
-                <a:cs typeface="+mn-cs"/>
-              </a:defRPr>
-            </a:lvl2pPr>
-            <a:lvl3pPr marL="914400" algn="l" defTabSz="457200" rtl="0" eaLnBrk="1" latinLnBrk="0" hangingPunct="1">
-              <a:defRPr sz="1800" kern="1200">
-                <a:solidFill>
-                  <a:schemeClr val="tx1"/>
-                </a:solidFill>
-                <a:latin typeface="+mn-lt"/>
-                <a:ea typeface="+mn-ea"/>
-                <a:cs typeface="+mn-cs"/>
-              </a:defRPr>
-            </a:lvl3pPr>
-            <a:lvl4pPr marL="1371600" algn="l" defTabSz="457200" rtl="0" eaLnBrk="1" latinLnBrk="0" hangingPunct="1">
-              <a:defRPr sz="1800" kern="1200">
-                <a:solidFill>
-                  <a:schemeClr val="tx1"/>
-                </a:solidFill>
-                <a:latin typeface="+mn-lt"/>
-                <a:ea typeface="+mn-ea"/>
-                <a:cs typeface="+mn-cs"/>
-              </a:defRPr>
-            </a:lvl4pPr>
-            <a:lvl5pPr marL="1828800" algn="l" defTabSz="457200" rtl="0" eaLnBrk="1" latinLnBrk="0" hangingPunct="1">
-              <a:defRPr sz="1800" kern="1200">
-                <a:solidFill>
-                  <a:schemeClr val="tx1"/>
-                </a:solidFill>
-                <a:latin typeface="+mn-lt"/>
-                <a:ea typeface="+mn-ea"/>
-                <a:cs typeface="+mn-cs"/>
-              </a:defRPr>
-            </a:lvl5pPr>
-            <a:lvl6pPr marL="2286000" algn="l" defTabSz="457200" rtl="0" eaLnBrk="1" latinLnBrk="0" hangingPunct="1">
-              <a:defRPr sz="1800" kern="1200">
-                <a:solidFill>
-                  <a:schemeClr val="tx1"/>
-                </a:solidFill>
-                <a:latin typeface="+mn-lt"/>
-                <a:ea typeface="+mn-ea"/>
-                <a:cs typeface="+mn-cs"/>
-              </a:defRPr>
-            </a:lvl6pPr>
-            <a:lvl7pPr marL="2743200" algn="l" defTabSz="457200" rtl="0" eaLnBrk="1" latinLnBrk="0" hangingPunct="1">
-              <a:defRPr sz="1800" kern="1200">
-                <a:solidFill>
-                  <a:schemeClr val="tx1"/>
-                </a:solidFill>
-                <a:latin typeface="+mn-lt"/>
-                <a:ea typeface="+mn-ea"/>
-                <a:cs typeface="+mn-cs"/>
-              </a:defRPr>
-            </a:lvl7pPr>
-            <a:lvl8pPr marL="3200400" algn="l" defTabSz="457200" rtl="0" eaLnBrk="1" latinLnBrk="0" hangingPunct="1">
-              <a:defRPr sz="1800" kern="1200">
-                <a:solidFill>
-                  <a:schemeClr val="tx1"/>
-                </a:solidFill>
-                <a:latin typeface="+mn-lt"/>
-                <a:ea typeface="+mn-ea"/>
-                <a:cs typeface="+mn-cs"/>
-              </a:defRPr>
-            </a:lvl8pPr>
-            <a:lvl9pPr marL="3657600" algn="l" defTabSz="457200" rtl="0" eaLnBrk="1" latinLnBrk="0" hangingPunct="1">
-              <a:defRPr sz="1800" kern="1200">
-                <a:solidFill>
-                  <a:schemeClr val="tx1"/>
-                </a:solidFill>
-                <a:latin typeface="+mn-lt"/>
-                <a:ea typeface="+mn-ea"/>
-                <a:cs typeface="+mn-cs"/>
-              </a:defRPr>
-            </a:lvl9pPr>
-          </a:lstStyle>
-          <a:p>
-            <a:endParaRPr lang="en-US" dirty="0">
-              <a:solidFill>
-                <a:schemeClr val="tx1"/>
-              </a:solidFill>
-            </a:endParaRPr>
-          </a:p>
-        </p:txBody>
-      </p:sp>
-    </p:spTree>
-    <p:extLst>
-      <p:ext uri="{BB962C8B-B14F-4D97-AF65-F5344CB8AC3E}">
-        <p14:creationId xmlns:p14="http://schemas.microsoft.com/office/powerpoint/2010/main" val="606315925"/>
-      </p:ext>
-    </p:extLst>
-  </p:cSld>
-  <p:clrMapOvr>
-    <a:overrideClrMapping bg1="dk1" tx1="lt1" bg2="dk2" tx2="lt2" accent1="accent1" accent2="accent2" accent3="accent3" accent4="accent4" accent5="accent5" accent6="accent6" hlink="hlink" folHlink="folHlink"/>
-  </p:clrMapOvr>
-</p:sld>
-</file>
-
 <file path=ppt/slides/slide5.xml><?xml version="1.0" encoding="utf-8"?>
 <p:sld xmlns:a="http://schemas.openxmlformats.org/drawingml/2006/main" xmlns:r="http://schemas.openxmlformats.org/officeDocument/2006/relationships" xmlns:p="http://schemas.openxmlformats.org/presentationml/2006/main">
   <p:cSld>
@@ -8890,86 +8889,6 @@
     <p:extLst>
       <p:ext uri="{BB962C8B-B14F-4D97-AF65-F5344CB8AC3E}">
         <p14:creationId xmlns:p14="http://schemas.microsoft.com/office/powerpoint/2010/main" val="1782932322"/>
-      </p:ext>
-    </p:extLst>
-  </p:cSld>
-  <p:clrMapOvr>
-    <a:masterClrMapping/>
-  </p:clrMapOvr>
-</p:sld>
-</file>
-
-<file path=ppt/slides/slide7.xml><?xml version="1.0" encoding="utf-8"?>
-<p:sld xmlns:a="http://schemas.openxmlformats.org/drawingml/2006/main" xmlns:r="http://schemas.openxmlformats.org/officeDocument/2006/relationships" xmlns:p="http://schemas.openxmlformats.org/presentationml/2006/main">
-  <p:cSld>
-    <p:spTree>
-      <p:nvGrpSpPr>
-        <p:cNvPr id="1" name=""/>
-        <p:cNvGrpSpPr/>
-        <p:nvPr/>
-      </p:nvGrpSpPr>
-      <p:grpSpPr>
-        <a:xfrm>
-          <a:off x="0" y="0"/>
-          <a:ext cx="0" cy="0"/>
-          <a:chOff x="0" y="0"/>
-          <a:chExt cx="0" cy="0"/>
-        </a:xfrm>
-      </p:grpSpPr>
-      <p:sp>
-        <p:nvSpPr>
-          <p:cNvPr id="2" name="Title 1">
-            <a:extLst>
-              <a:ext uri="{FF2B5EF4-FFF2-40B4-BE49-F238E27FC236}">
-                <a16:creationId xmlns:a16="http://schemas.microsoft.com/office/drawing/2014/main" id="{B677BBCF-BDD4-490E-99AB-DF92BCE46DAD}"/>
-              </a:ext>
-            </a:extLst>
-          </p:cNvPr>
-          <p:cNvSpPr>
-            <a:spLocks noGrp="1"/>
-          </p:cNvSpPr>
-          <p:nvPr>
-            <p:ph type="title"/>
-          </p:nvPr>
-        </p:nvSpPr>
-        <p:spPr/>
-        <p:txBody>
-          <a:bodyPr/>
-          <a:lstStyle/>
-          <a:p>
-            <a:endParaRPr lang="en-US"/>
-          </a:p>
-        </p:txBody>
-      </p:sp>
-      <p:sp>
-        <p:nvSpPr>
-          <p:cNvPr id="3" name="Content Placeholder 2">
-            <a:extLst>
-              <a:ext uri="{FF2B5EF4-FFF2-40B4-BE49-F238E27FC236}">
-                <a16:creationId xmlns:a16="http://schemas.microsoft.com/office/drawing/2014/main" id="{572C9DB8-BB0B-45A3-B8D1-064B96E13038}"/>
-              </a:ext>
-            </a:extLst>
-          </p:cNvPr>
-          <p:cNvSpPr>
-            <a:spLocks noGrp="1"/>
-          </p:cNvSpPr>
-          <p:nvPr>
-            <p:ph idx="1"/>
-          </p:nvPr>
-        </p:nvSpPr>
-        <p:spPr/>
-        <p:txBody>
-          <a:bodyPr/>
-          <a:lstStyle/>
-          <a:p>
-            <a:endParaRPr lang="en-US"/>
-          </a:p>
-        </p:txBody>
-      </p:sp>
-    </p:spTree>
-    <p:extLst>
-      <p:ext uri="{BB962C8B-B14F-4D97-AF65-F5344CB8AC3E}">
-        <p14:creationId xmlns:p14="http://schemas.microsoft.com/office/powerpoint/2010/main" val="2774651968"/>
       </p:ext>
     </p:extLst>
   </p:cSld>
